--- a/documents/a3.pptx
+++ b/documents/a3.pptx
@@ -108,6 +108,11 @@
       </a:defRPr>
     </a:lvl9pPr>
   </p:defaultTextStyle>
+  <p:extLst>
+    <p:ext uri="{EFAFB233-063F-42B5-8137-9DF3F51BA10A}">
+      <p15:sldGuideLst xmlns:p15="http://schemas.microsoft.com/office/powerpoint/2012/main"/>
+    </p:ext>
+  </p:extLst>
 </p:presentation>
 </file>
 
@@ -125,36 +130,6 @@
     </mc:Fallback>
   </mc:AlternateContent>
   <c:chart>
-    <c:title>
-      <c:overlay val="0"/>
-      <c:spPr>
-        <a:noFill/>
-        <a:ln>
-          <a:noFill/>
-        </a:ln>
-        <a:effectLst/>
-      </c:spPr>
-      <c:txPr>
-        <a:bodyPr rot="0" spcFirstLastPara="1" vertOverflow="ellipsis" vert="horz" wrap="square" anchor="ctr" anchorCtr="1"/>
-        <a:lstStyle/>
-        <a:p>
-          <a:pPr>
-            <a:defRPr sz="1862" b="0" i="0" u="none" strike="noStrike" kern="1200" spc="0" baseline="0">
-              <a:solidFill>
-                <a:schemeClr val="tx1">
-                  <a:lumMod val="65000"/>
-                  <a:lumOff val="35000"/>
-                </a:schemeClr>
-              </a:solidFill>
-              <a:latin typeface="+mn-lt"/>
-              <a:ea typeface="+mn-ea"/>
-              <a:cs typeface="+mn-cs"/>
-            </a:defRPr>
-          </a:pPr>
-          <a:endParaRPr lang="en-US"/>
-        </a:p>
-      </c:txPr>
-    </c:title>
     <c:autoTitleDeleted val="0"/>
     <c:plotArea>
       <c:layout>
@@ -171,86 +146,6 @@
       <c:lineChart>
         <c:grouping val="standard"/>
         <c:varyColors val="0"/>
-        <c:ser>
-          <c:idx val="0"/>
-          <c:order val="0"/>
-          <c:tx>
-            <c:strRef>
-              <c:f>Sheet1!$B$1</c:f>
-              <c:strCache>
-                <c:ptCount val="1"/>
-                <c:pt idx="0">
-                  <c:v>Temperatuur Metingen</c:v>
-                </c:pt>
-              </c:strCache>
-            </c:strRef>
-          </c:tx>
-          <c:spPr>
-            <a:ln w="28575" cap="rnd">
-              <a:solidFill>
-                <a:schemeClr val="accent1"/>
-              </a:solidFill>
-              <a:round/>
-            </a:ln>
-            <a:effectLst/>
-          </c:spPr>
-          <c:marker>
-            <c:symbol val="none"/>
-          </c:marker>
-          <c:cat>
-            <c:strRef>
-              <c:f>Sheet1!$A$2:$A$6</c:f>
-              <c:strCache>
-                <c:ptCount val="5"/>
-                <c:pt idx="0">
-                  <c:v>Minuut 1</c:v>
-                </c:pt>
-                <c:pt idx="1">
-                  <c:v>Minuut 2</c:v>
-                </c:pt>
-                <c:pt idx="2">
-                  <c:v>Minuut 3</c:v>
-                </c:pt>
-                <c:pt idx="3">
-                  <c:v>Minuut 4</c:v>
-                </c:pt>
-                <c:pt idx="4">
-                  <c:v>Minuut 5</c:v>
-                </c:pt>
-              </c:strCache>
-            </c:strRef>
-          </c:cat>
-          <c:val>
-            <c:numRef>
-              <c:f>Sheet1!$B$2:$B$6</c:f>
-              <c:numCache>
-                <c:formatCode>General</c:formatCode>
-                <c:ptCount val="5"/>
-                <c:pt idx="0">
-                  <c:v>24.1</c:v>
-                </c:pt>
-                <c:pt idx="1">
-                  <c:v>24.5</c:v>
-                </c:pt>
-                <c:pt idx="2">
-                  <c:v>26.5</c:v>
-                </c:pt>
-                <c:pt idx="3">
-                  <c:v>26.1</c:v>
-                </c:pt>
-                <c:pt idx="4">
-                  <c:v>24.8</c:v>
-                </c:pt>
-              </c:numCache>
-            </c:numRef>
-          </c:val>
-          <c:smooth val="0"/>
-          <c:extLst>
-            <c:ext xmlns:c16="http://schemas.microsoft.com/office/drawing/2014/chart" uri="{C3380CC4-5D6E-409C-BE32-E72D297353CC}">
-              <c16:uniqueId val="{00000000-72E8-4E82-8792-FC66B9684C71}"/>
-            </c:ext>
-          </c:extLst>
-        </c:ser>
         <c:dLbls>
           <c:showLegendKey val="0"/>
           <c:showVal val="0"/>
@@ -259,6 +154,7 @@
           <c:showPercent val="0"/>
           <c:showBubbleSize val="0"/>
         </c:dLbls>
+        <c:marker val="1"/>
         <c:smooth val="0"/>
         <c:axId val="1075992944"/>
         <c:axId val="1183073008"/>
@@ -372,7 +268,7 @@
       </c:valAx>
       <c:spPr>
         <a:noFill/>
-        <a:ln>
+        <a:ln w="25400">
           <a:noFill/>
         </a:ln>
         <a:effectLst/>
@@ -1081,7 +977,7 @@
           <a:p>
             <a:fld id="{2549C6EB-A329-4E93-BDA3-E2A371F21EC7}" type="datetimeFigureOut">
               <a:rPr lang="en-US" smtClean="0"/>
-              <a:t>04-Jul-19</a:t>
+              <a:t>23-Jul-19</a:t>
             </a:fld>
             <a:endParaRPr lang="en-US"/>
           </a:p>
@@ -1479,7 +1375,7 @@
           <a:p>
             <a:fld id="{0636228B-BD39-406F-BC7E-C69AC6C52F7D}" type="datetime1">
               <a:rPr lang="en-US" smtClean="0"/>
-              <a:t>04-Jul-19</a:t>
+              <a:t>23-Jul-19</a:t>
             </a:fld>
             <a:endParaRPr lang="en-US"/>
           </a:p>
@@ -1652,7 +1548,7 @@
           <a:p>
             <a:fld id="{E2D5C30C-F976-46FB-B9AE-2A59239EE938}" type="datetime1">
               <a:rPr lang="en-US" smtClean="0"/>
-              <a:t>04-Jul-19</a:t>
+              <a:t>23-Jul-19</a:t>
             </a:fld>
             <a:endParaRPr lang="en-US"/>
           </a:p>
@@ -1835,7 +1731,7 @@
           <a:p>
             <a:fld id="{59CDE930-EBC8-433D-AF53-4FD6A2F11670}" type="datetime1">
               <a:rPr lang="en-US" smtClean="0"/>
-              <a:t>04-Jul-19</a:t>
+              <a:t>23-Jul-19</a:t>
             </a:fld>
             <a:endParaRPr lang="en-US"/>
           </a:p>
@@ -2008,7 +1904,7 @@
           <a:p>
             <a:fld id="{24EB89CD-C148-497F-B5A3-7ADF10C403D3}" type="datetime1">
               <a:rPr lang="en-US" smtClean="0"/>
-              <a:t>04-Jul-19</a:t>
+              <a:t>23-Jul-19</a:t>
             </a:fld>
             <a:endParaRPr lang="en-US"/>
           </a:p>
@@ -2255,7 +2151,7 @@
           <a:p>
             <a:fld id="{1BA6CFEC-E525-4579-B411-B0916E1304A8}" type="datetime1">
               <a:rPr lang="en-US" smtClean="0"/>
-              <a:t>04-Jul-19</a:t>
+              <a:t>23-Jul-19</a:t>
             </a:fld>
             <a:endParaRPr lang="en-US"/>
           </a:p>
@@ -2490,7 +2386,7 @@
           <a:p>
             <a:fld id="{8F3B4DFC-433D-4BA4-8872-4AB9F99E2205}" type="datetime1">
               <a:rPr lang="en-US" smtClean="0"/>
-              <a:t>04-Jul-19</a:t>
+              <a:t>23-Jul-19</a:t>
             </a:fld>
             <a:endParaRPr lang="en-US"/>
           </a:p>
@@ -2860,7 +2756,7 @@
           <a:p>
             <a:fld id="{A1D89742-B0C1-48ED-99B2-92856DBB6449}" type="datetime1">
               <a:rPr lang="en-US" smtClean="0"/>
-              <a:t>04-Jul-19</a:t>
+              <a:t>23-Jul-19</a:t>
             </a:fld>
             <a:endParaRPr lang="en-US"/>
           </a:p>
@@ -2981,7 +2877,7 @@
           <a:p>
             <a:fld id="{5BDC90D8-990E-4DDF-A734-C168C3634220}" type="datetime1">
               <a:rPr lang="en-US" smtClean="0"/>
-              <a:t>04-Jul-19</a:t>
+              <a:t>23-Jul-19</a:t>
             </a:fld>
             <a:endParaRPr lang="en-US"/>
           </a:p>
@@ -3079,7 +2975,7 @@
           <a:p>
             <a:fld id="{DD5A822D-17D5-4122-80B7-2AF24872D3EE}" type="datetime1">
               <a:rPr lang="en-US" smtClean="0"/>
-              <a:t>04-Jul-19</a:t>
+              <a:t>23-Jul-19</a:t>
             </a:fld>
             <a:endParaRPr lang="en-US"/>
           </a:p>
@@ -3359,7 +3255,7 @@
           <a:p>
             <a:fld id="{EFA1A2E4-8E8B-4899-B17F-2C1608120CFE}" type="datetime1">
               <a:rPr lang="en-US" smtClean="0"/>
-              <a:t>04-Jul-19</a:t>
+              <a:t>23-Jul-19</a:t>
             </a:fld>
             <a:endParaRPr lang="en-US"/>
           </a:p>
@@ -3619,7 +3515,7 @@
           <a:p>
             <a:fld id="{0E9F4EDB-5C52-40E9-BF5F-716B58773DDA}" type="datetime1">
               <a:rPr lang="en-US" smtClean="0"/>
-              <a:t>04-Jul-19</a:t>
+              <a:t>23-Jul-19</a:t>
             </a:fld>
             <a:endParaRPr lang="en-US"/>
           </a:p>
@@ -3835,7 +3731,7 @@
           <a:p>
             <a:fld id="{C86E0231-EBF5-4880-9429-2B0BD55A0C11}" type="datetime1">
               <a:rPr lang="en-US" smtClean="0"/>
-              <a:t>04-Jul-19</a:t>
+              <a:t>23-Jul-19</a:t>
             </a:fld>
             <a:endParaRPr lang="en-US"/>
           </a:p>
@@ -4246,10 +4142,120 @@
       </p:grpSpPr>
       <p:pic>
         <p:nvPicPr>
-          <p:cNvPr id="1028" name="Picture 4" descr="Image result for temperature png">
+          <p:cNvPr id="26" name="Picture 25">
             <a:extLst>
               <a:ext uri="{FF2B5EF4-FFF2-40B4-BE49-F238E27FC236}">
-                <a16:creationId xmlns:a16="http://schemas.microsoft.com/office/drawing/2014/main" id="{B67E2CCC-82D2-4841-8149-E29128B14F65}"/>
+                <a16:creationId xmlns:a16="http://schemas.microsoft.com/office/drawing/2014/main" id="{5D25DB60-EADD-4C83-A1C4-F2784946ADE2}"/>
+              </a:ext>
+            </a:extLst>
+          </p:cNvPr>
+          <p:cNvPicPr/>
+          <p:nvPr/>
+        </p:nvPicPr>
+        <p:blipFill>
+          <a:blip r:embed="rId2">
+            <a:extLst>
+              <a:ext uri="{28A0092B-C50C-407E-A947-70E740481C1C}">
+                <a14:useLocalDpi xmlns:a14="http://schemas.microsoft.com/office/drawing/2010/main" val="0"/>
+              </a:ext>
+            </a:extLst>
+          </a:blip>
+          <a:stretch>
+            <a:fillRect/>
+          </a:stretch>
+        </p:blipFill>
+        <p:spPr>
+          <a:xfrm>
+            <a:off x="0" y="-1"/>
+            <a:ext cx="9601200" cy="12970413"/>
+          </a:xfrm>
+          <a:prstGeom prst="rect">
+            <a:avLst/>
+          </a:prstGeom>
+        </p:spPr>
+      </p:pic>
+      <p:sp>
+        <p:nvSpPr>
+          <p:cNvPr id="15" name="Rectangle 14">
+            <a:extLst>
+              <a:ext uri="{FF2B5EF4-FFF2-40B4-BE49-F238E27FC236}">
+                <a16:creationId xmlns:a16="http://schemas.microsoft.com/office/drawing/2014/main" id="{58FDCDC6-4BB1-4732-AC0A-BB9D50A8986B}"/>
+              </a:ext>
+            </a:extLst>
+          </p:cNvPr>
+          <p:cNvSpPr/>
+          <p:nvPr/>
+        </p:nvSpPr>
+        <p:spPr>
+          <a:xfrm>
+            <a:off x="853106" y="551621"/>
+            <a:ext cx="7795532" cy="923330"/>
+          </a:xfrm>
+          <a:prstGeom prst="rect">
+            <a:avLst/>
+          </a:prstGeom>
+          <a:noFill/>
+        </p:spPr>
+        <p:txBody>
+          <a:bodyPr wrap="none" lIns="91440" tIns="45720" rIns="91440" bIns="45720">
+            <a:spAutoFit/>
+          </a:bodyPr>
+          <a:lstStyle/>
+          <a:p>
+            <a:pPr algn="ctr"/>
+            <a:r>
+              <a:rPr lang="en-US" sz="5400" b="0" cap="none" spc="0" dirty="0">
+                <a:ln w="0"/>
+                <a:solidFill>
+                  <a:schemeClr val="tx1"/>
+                </a:solidFill>
+                <a:effectLst>
+                  <a:outerShdw blurRad="38100" dist="19050" dir="2700000" algn="tl" rotWithShape="0">
+                    <a:schemeClr val="dk1">
+                      <a:alpha val="40000"/>
+                    </a:schemeClr>
+                  </a:outerShdw>
+                </a:effectLst>
+              </a:rPr>
+              <a:t>BMP280 Temp &amp; Alt library</a:t>
+            </a:r>
+          </a:p>
+        </p:txBody>
+      </p:sp>
+      <p:graphicFrame>
+        <p:nvGraphicFramePr>
+          <p:cNvPr id="27" name="Chart 26">
+            <a:extLst>
+              <a:ext uri="{FF2B5EF4-FFF2-40B4-BE49-F238E27FC236}">
+                <a16:creationId xmlns:a16="http://schemas.microsoft.com/office/drawing/2014/main" id="{F842AE53-9372-4E57-9BE3-45DDEB8D327A}"/>
+              </a:ext>
+            </a:extLst>
+          </p:cNvPr>
+          <p:cNvGraphicFramePr/>
+          <p:nvPr>
+            <p:extLst>
+              <p:ext uri="{D42A27DB-BD31-4B8C-83A1-F6EECF244321}">
+                <p14:modId xmlns:p14="http://schemas.microsoft.com/office/powerpoint/2010/main" val="839978952"/>
+              </p:ext>
+            </p:extLst>
+          </p:nvPr>
+        </p:nvGraphicFramePr>
+        <p:xfrm>
+          <a:off x="1600200" y="4267200"/>
+          <a:ext cx="6400800" cy="4267200"/>
+        </p:xfrm>
+        <a:graphic>
+          <a:graphicData uri="http://schemas.openxmlformats.org/drawingml/2006/chart">
+            <c:chart xmlns:c="http://schemas.openxmlformats.org/drawingml/2006/chart" xmlns:r="http://schemas.openxmlformats.org/officeDocument/2006/relationships" r:id="rId3"/>
+          </a:graphicData>
+        </a:graphic>
+      </p:graphicFrame>
+      <p:pic>
+        <p:nvPicPr>
+          <p:cNvPr id="1026" name="Picture 2" descr="Image result for hiking icon">
+            <a:extLst>
+              <a:ext uri="{FF2B5EF4-FFF2-40B4-BE49-F238E27FC236}">
+                <a16:creationId xmlns:a16="http://schemas.microsoft.com/office/drawing/2014/main" id="{DF776EF5-911D-425C-BA04-08DCC7F322FC}"/>
               </a:ext>
             </a:extLst>
           </p:cNvPr>
@@ -4259,7 +4265,7 @@
           <p:nvPr/>
         </p:nvPicPr>
         <p:blipFill>
-          <a:blip r:embed="rId2">
+          <a:blip r:embed="rId4">
             <a:extLst>
               <a:ext uri="{28A0092B-C50C-407E-A947-70E740481C1C}">
                 <a14:useLocalDpi xmlns:a14="http://schemas.microsoft.com/office/drawing/2010/main" val="0"/>
@@ -4273,8 +4279,8 @@
         </p:blipFill>
         <p:spPr bwMode="auto">
           <a:xfrm>
-            <a:off x="255872" y="965676"/>
-            <a:ext cx="3297072" cy="3297072"/>
+            <a:off x="3798371" y="2740457"/>
+            <a:ext cx="952500" cy="952500"/>
           </a:xfrm>
           <a:prstGeom prst="rect">
             <a:avLst/>
@@ -4293,10 +4299,10 @@
       </p:pic>
       <p:pic>
         <p:nvPicPr>
-          <p:cNvPr id="1030" name="Picture 6" descr="Image result for height icon">
+          <p:cNvPr id="28" name="Picture 2" descr="Image result for hiking icon">
             <a:extLst>
               <a:ext uri="{FF2B5EF4-FFF2-40B4-BE49-F238E27FC236}">
-                <a16:creationId xmlns:a16="http://schemas.microsoft.com/office/drawing/2014/main" id="{DBBEB6C3-F029-4E6B-AB4E-AE8BC4D2C889}"/>
+                <a16:creationId xmlns:a16="http://schemas.microsoft.com/office/drawing/2014/main" id="{CE82E485-FFBB-46B7-B449-BA7632DDB9B3}"/>
               </a:ext>
             </a:extLst>
           </p:cNvPr>
@@ -4306,7 +4312,7 @@
           <p:nvPr/>
         </p:nvPicPr>
         <p:blipFill>
-          <a:blip r:embed="rId3">
+          <a:blip r:embed="rId4">
             <a:extLst>
               <a:ext uri="{28A0092B-C50C-407E-A947-70E740481C1C}">
                 <a14:useLocalDpi xmlns:a14="http://schemas.microsoft.com/office/drawing/2010/main" val="0"/>
@@ -4320,8 +4326,8 @@
         </p:blipFill>
         <p:spPr bwMode="auto">
           <a:xfrm>
-            <a:off x="6625229" y="1408420"/>
-            <a:ext cx="2720099" cy="2720099"/>
+            <a:off x="0" y="6746431"/>
+            <a:ext cx="952500" cy="952500"/>
           </a:xfrm>
           <a:prstGeom prst="rect">
             <a:avLst/>
@@ -4338,857 +4344,116 @@
           </a:extLst>
         </p:spPr>
       </p:pic>
-      <p:sp>
-        <p:nvSpPr>
-          <p:cNvPr id="16" name="Freeform: Shape 15">
+      <p:pic>
+        <p:nvPicPr>
+          <p:cNvPr id="2" name="Picture 4" descr="Image result for fridge icon">
             <a:extLst>
               <a:ext uri="{FF2B5EF4-FFF2-40B4-BE49-F238E27FC236}">
-                <a16:creationId xmlns:a16="http://schemas.microsoft.com/office/drawing/2014/main" id="{3F848198-262C-480D-82CB-1A72C9545F34}"/>
+                <a16:creationId xmlns:a16="http://schemas.microsoft.com/office/drawing/2014/main" id="{C0937237-6EDD-4BC0-BFB1-1336C6F07A72}"/>
               </a:ext>
             </a:extLst>
           </p:cNvPr>
-          <p:cNvSpPr/>
+          <p:cNvPicPr>
+            <a:picLocks noChangeAspect="1" noChangeArrowheads="1"/>
+          </p:cNvPicPr>
           <p:nvPr/>
-        </p:nvSpPr>
-        <p:spPr>
-          <a:xfrm>
-            <a:off x="4970887" y="11193048"/>
-            <a:ext cx="2026387" cy="845431"/>
-          </a:xfrm>
-          <a:custGeom>
-            <a:avLst/>
-            <a:gdLst>
-              <a:gd name="connsiteX0" fmla="*/ 0 w 2026387"/>
-              <a:gd name="connsiteY0" fmla="*/ 0 h 845431"/>
-              <a:gd name="connsiteX1" fmla="*/ 1335686 w 2026387"/>
-              <a:gd name="connsiteY1" fmla="*/ 0 h 845431"/>
-              <a:gd name="connsiteX2" fmla="*/ 2026387 w 2026387"/>
-              <a:gd name="connsiteY2" fmla="*/ 845431 h 845431"/>
-              <a:gd name="connsiteX3" fmla="*/ 0 w 2026387"/>
-              <a:gd name="connsiteY3" fmla="*/ 845431 h 845431"/>
-            </a:gdLst>
-            <a:ahLst/>
-            <a:cxnLst>
-              <a:cxn ang="0">
-                <a:pos x="connsiteX0" y="connsiteY0"/>
-              </a:cxn>
-              <a:cxn ang="0">
-                <a:pos x="connsiteX1" y="connsiteY1"/>
-              </a:cxn>
-              <a:cxn ang="0">
-                <a:pos x="connsiteX2" y="connsiteY2"/>
-              </a:cxn>
-              <a:cxn ang="0">
-                <a:pos x="connsiteX3" y="connsiteY3"/>
-              </a:cxn>
-            </a:cxnLst>
-            <a:rect l="l" t="t" r="r" b="b"/>
-            <a:pathLst>
-              <a:path w="2026387" h="845431">
-                <a:moveTo>
-                  <a:pt x="0" y="0"/>
-                </a:moveTo>
-                <a:lnTo>
-                  <a:pt x="1335686" y="0"/>
-                </a:lnTo>
-                <a:lnTo>
-                  <a:pt x="2026387" y="845431"/>
-                </a:lnTo>
-                <a:lnTo>
-                  <a:pt x="0" y="845431"/>
-                </a:lnTo>
-                <a:close/>
-              </a:path>
-            </a:pathLst>
-          </a:custGeom>
-          <a:solidFill>
-            <a:schemeClr val="accent1"/>
-          </a:solidFill>
-        </p:spPr>
-        <p:style>
-          <a:lnRef idx="2">
-            <a:schemeClr val="lt1">
-              <a:hueOff val="0"/>
-              <a:satOff val="0"/>
-              <a:lumOff val="0"/>
-              <a:alphaOff val="0"/>
-            </a:schemeClr>
-          </a:lnRef>
-          <a:fillRef idx="1">
-            <a:schemeClr val="accent1">
-              <a:hueOff val="0"/>
-              <a:satOff val="0"/>
-              <a:lumOff val="0"/>
-              <a:alphaOff val="0"/>
-            </a:schemeClr>
-          </a:fillRef>
-          <a:effectRef idx="0">
-            <a:schemeClr val="accent1">
-              <a:hueOff val="0"/>
-              <a:satOff val="0"/>
-              <a:lumOff val="0"/>
-              <a:alphaOff val="0"/>
-            </a:schemeClr>
-          </a:effectRef>
-          <a:fontRef idx="minor">
-            <a:schemeClr val="lt1"/>
-          </a:fontRef>
-        </p:style>
-        <p:txBody>
-          <a:bodyPr spcFirstLastPara="0" vert="horz" wrap="square" lIns="1504949" tIns="82550" rIns="1504951" bIns="82550" numCol="1" spcCol="1270" anchor="ctr" anchorCtr="0">
-            <a:noAutofit/>
-          </a:bodyPr>
-          <a:lstStyle/>
-          <a:p>
-            <a:pPr lvl="0" defTabSz="2889250">
-              <a:lnSpc>
-                <a:spcPct val="90000"/>
-              </a:lnSpc>
-              <a:spcBef>
-                <a:spcPct val="0"/>
-              </a:spcBef>
-              <a:spcAft>
-                <a:spcPct val="35000"/>
-              </a:spcAft>
-            </a:pPr>
-            <a:endParaRPr lang="en-US" sz="1200" kern="1200" dirty="0"/>
-          </a:p>
-        </p:txBody>
-      </p:sp>
-      <p:sp>
-        <p:nvSpPr>
-          <p:cNvPr id="17" name="Subtitle 2">
+        </p:nvPicPr>
+        <p:blipFill>
+          <a:blip r:embed="rId5">
             <a:extLst>
-              <a:ext uri="{FF2B5EF4-FFF2-40B4-BE49-F238E27FC236}">
-                <a16:creationId xmlns:a16="http://schemas.microsoft.com/office/drawing/2014/main" id="{51F12C15-641A-4245-A4E2-91B9B6A2439C}"/>
+              <a:ext uri="{28A0092B-C50C-407E-A947-70E740481C1C}">
+                <a14:useLocalDpi xmlns:a14="http://schemas.microsoft.com/office/drawing/2010/main" val="0"/>
               </a:ext>
             </a:extLst>
-          </p:cNvPr>
-          <p:cNvSpPr txBox="1">
-            <a:spLocks/>
-          </p:cNvSpPr>
-          <p:nvPr/>
-        </p:nvSpPr>
-        <p:spPr>
+          </a:blip>
+          <a:srcRect/>
+          <a:stretch>
+            <a:fillRect/>
+          </a:stretch>
+        </p:blipFill>
+        <p:spPr bwMode="auto">
           <a:xfrm>
-            <a:off x="5156699" y="11431096"/>
-            <a:ext cx="1198837" cy="357218"/>
+            <a:off x="8124490" y="11405034"/>
+            <a:ext cx="1312985" cy="1312985"/>
           </a:xfrm>
           <a:prstGeom prst="rect">
             <a:avLst/>
           </a:prstGeom>
+          <a:noFill/>
+          <a:extLst>
+            <a:ext uri="{909E8E84-426E-40DD-AFC4-6F175D3DCCD1}">
+              <a14:hiddenFill xmlns:a14="http://schemas.microsoft.com/office/drawing/2010/main">
+                <a:solidFill>
+                  <a:srgbClr val="FFFFFF"/>
+                </a:solidFill>
+              </a14:hiddenFill>
+            </a:ext>
+          </a:extLst>
         </p:spPr>
-        <p:txBody>
-          <a:bodyPr vert="horz" lIns="91440" tIns="45720" rIns="91440" bIns="45720" rtlCol="0">
-            <a:noAutofit/>
-          </a:bodyPr>
-          <a:lstStyle>
-            <a:lvl1pPr marL="240030" indent="-240030" algn="l" defTabSz="960120" rtl="0" eaLnBrk="1" latinLnBrk="0" hangingPunct="1">
-              <a:lnSpc>
-                <a:spcPct val="90000"/>
-              </a:lnSpc>
-              <a:spcBef>
-                <a:spcPts val="1050"/>
-              </a:spcBef>
-              <a:buFont typeface="Arial" panose="020B0604020202020204" pitchFamily="34" charset="0"/>
-              <a:buChar char="•"/>
-              <a:defRPr sz="2940" kern="1200">
-                <a:solidFill>
-                  <a:schemeClr val="tx1"/>
-                </a:solidFill>
-                <a:latin typeface="+mn-lt"/>
-                <a:ea typeface="+mn-ea"/>
-                <a:cs typeface="+mn-cs"/>
-              </a:defRPr>
-            </a:lvl1pPr>
-            <a:lvl2pPr marL="720090" indent="-240030" algn="l" defTabSz="960120" rtl="0" eaLnBrk="1" latinLnBrk="0" hangingPunct="1">
-              <a:lnSpc>
-                <a:spcPct val="90000"/>
-              </a:lnSpc>
-              <a:spcBef>
-                <a:spcPts val="525"/>
-              </a:spcBef>
-              <a:buFont typeface="Arial" panose="020B0604020202020204" pitchFamily="34" charset="0"/>
-              <a:buChar char="•"/>
-              <a:defRPr sz="2520" kern="1200">
-                <a:solidFill>
-                  <a:schemeClr val="tx1"/>
-                </a:solidFill>
-                <a:latin typeface="+mn-lt"/>
-                <a:ea typeface="+mn-ea"/>
-                <a:cs typeface="+mn-cs"/>
-              </a:defRPr>
-            </a:lvl2pPr>
-            <a:lvl3pPr marL="1200150" indent="-240030" algn="l" defTabSz="960120" rtl="0" eaLnBrk="1" latinLnBrk="0" hangingPunct="1">
-              <a:lnSpc>
-                <a:spcPct val="90000"/>
-              </a:lnSpc>
-              <a:spcBef>
-                <a:spcPts val="525"/>
-              </a:spcBef>
-              <a:buFont typeface="Arial" panose="020B0604020202020204" pitchFamily="34" charset="0"/>
-              <a:buChar char="•"/>
-              <a:defRPr sz="2100" kern="1200">
-                <a:solidFill>
-                  <a:schemeClr val="tx1"/>
-                </a:solidFill>
-                <a:latin typeface="+mn-lt"/>
-                <a:ea typeface="+mn-ea"/>
-                <a:cs typeface="+mn-cs"/>
-              </a:defRPr>
-            </a:lvl3pPr>
-            <a:lvl4pPr marL="1680210" indent="-240030" algn="l" defTabSz="960120" rtl="0" eaLnBrk="1" latinLnBrk="0" hangingPunct="1">
-              <a:lnSpc>
-                <a:spcPct val="90000"/>
-              </a:lnSpc>
-              <a:spcBef>
-                <a:spcPts val="525"/>
-              </a:spcBef>
-              <a:buFont typeface="Arial" panose="020B0604020202020204" pitchFamily="34" charset="0"/>
-              <a:buChar char="•"/>
-              <a:defRPr sz="1890" kern="1200">
-                <a:solidFill>
-                  <a:schemeClr val="tx1"/>
-                </a:solidFill>
-                <a:latin typeface="+mn-lt"/>
-                <a:ea typeface="+mn-ea"/>
-                <a:cs typeface="+mn-cs"/>
-              </a:defRPr>
-            </a:lvl4pPr>
-            <a:lvl5pPr marL="2160270" indent="-240030" algn="l" defTabSz="960120" rtl="0" eaLnBrk="1" latinLnBrk="0" hangingPunct="1">
-              <a:lnSpc>
-                <a:spcPct val="90000"/>
-              </a:lnSpc>
-              <a:spcBef>
-                <a:spcPts val="525"/>
-              </a:spcBef>
-              <a:buFont typeface="Arial" panose="020B0604020202020204" pitchFamily="34" charset="0"/>
-              <a:buChar char="•"/>
-              <a:defRPr sz="1890" kern="1200">
-                <a:solidFill>
-                  <a:schemeClr val="tx1"/>
-                </a:solidFill>
-                <a:latin typeface="+mn-lt"/>
-                <a:ea typeface="+mn-ea"/>
-                <a:cs typeface="+mn-cs"/>
-              </a:defRPr>
-            </a:lvl5pPr>
-            <a:lvl6pPr marL="2640330" indent="-240030" algn="l" defTabSz="960120" rtl="0" eaLnBrk="1" latinLnBrk="0" hangingPunct="1">
-              <a:lnSpc>
-                <a:spcPct val="90000"/>
-              </a:lnSpc>
-              <a:spcBef>
-                <a:spcPts val="525"/>
-              </a:spcBef>
-              <a:buFont typeface="Arial" panose="020B0604020202020204" pitchFamily="34" charset="0"/>
-              <a:buChar char="•"/>
-              <a:defRPr sz="1890" kern="1200">
-                <a:solidFill>
-                  <a:schemeClr val="tx1"/>
-                </a:solidFill>
-                <a:latin typeface="+mn-lt"/>
-                <a:ea typeface="+mn-ea"/>
-                <a:cs typeface="+mn-cs"/>
-              </a:defRPr>
-            </a:lvl6pPr>
-            <a:lvl7pPr marL="3120390" indent="-240030" algn="l" defTabSz="960120" rtl="0" eaLnBrk="1" latinLnBrk="0" hangingPunct="1">
-              <a:lnSpc>
-                <a:spcPct val="90000"/>
-              </a:lnSpc>
-              <a:spcBef>
-                <a:spcPts val="525"/>
-              </a:spcBef>
-              <a:buFont typeface="Arial" panose="020B0604020202020204" pitchFamily="34" charset="0"/>
-              <a:buChar char="•"/>
-              <a:defRPr sz="1890" kern="1200">
-                <a:solidFill>
-                  <a:schemeClr val="tx1"/>
-                </a:solidFill>
-                <a:latin typeface="+mn-lt"/>
-                <a:ea typeface="+mn-ea"/>
-                <a:cs typeface="+mn-cs"/>
-              </a:defRPr>
-            </a:lvl7pPr>
-            <a:lvl8pPr marL="3600450" indent="-240030" algn="l" defTabSz="960120" rtl="0" eaLnBrk="1" latinLnBrk="0" hangingPunct="1">
-              <a:lnSpc>
-                <a:spcPct val="90000"/>
-              </a:lnSpc>
-              <a:spcBef>
-                <a:spcPts val="525"/>
-              </a:spcBef>
-              <a:buFont typeface="Arial" panose="020B0604020202020204" pitchFamily="34" charset="0"/>
-              <a:buChar char="•"/>
-              <a:defRPr sz="1890" kern="1200">
-                <a:solidFill>
-                  <a:schemeClr val="tx1"/>
-                </a:solidFill>
-                <a:latin typeface="+mn-lt"/>
-                <a:ea typeface="+mn-ea"/>
-                <a:cs typeface="+mn-cs"/>
-              </a:defRPr>
-            </a:lvl8pPr>
-            <a:lvl9pPr marL="4080510" indent="-240030" algn="l" defTabSz="960120" rtl="0" eaLnBrk="1" latinLnBrk="0" hangingPunct="1">
-              <a:lnSpc>
-                <a:spcPct val="90000"/>
-              </a:lnSpc>
-              <a:spcBef>
-                <a:spcPts val="525"/>
-              </a:spcBef>
-              <a:buFont typeface="Arial" panose="020B0604020202020204" pitchFamily="34" charset="0"/>
-              <a:buChar char="•"/>
-              <a:defRPr sz="1890" kern="1200">
-                <a:solidFill>
-                  <a:schemeClr val="tx1"/>
-                </a:solidFill>
-                <a:latin typeface="+mn-lt"/>
-                <a:ea typeface="+mn-ea"/>
-                <a:cs typeface="+mn-cs"/>
-              </a:defRPr>
-            </a:lvl9pPr>
-          </a:lstStyle>
-          <a:p>
-            <a:r>
-              <a:rPr lang="en-US" sz="1600" dirty="0"/>
-              <a:t>Bmp280 driver</a:t>
-            </a:r>
-          </a:p>
-        </p:txBody>
-      </p:sp>
-      <p:grpSp>
-        <p:nvGrpSpPr>
-          <p:cNvPr id="18" name="Group 17">
+      </p:pic>
+      <p:pic>
+        <p:nvPicPr>
+          <p:cNvPr id="3" name="Picture 6" descr="Image result for thermometer icon">
             <a:extLst>
               <a:ext uri="{FF2B5EF4-FFF2-40B4-BE49-F238E27FC236}">
-                <a16:creationId xmlns:a16="http://schemas.microsoft.com/office/drawing/2014/main" id="{42A69608-D0C1-4A17-9569-AC0AB93F9D03}"/>
+                <a16:creationId xmlns:a16="http://schemas.microsoft.com/office/drawing/2014/main" id="{C3B0BD22-85C1-4C91-92E2-32A48A58703D}"/>
               </a:ext>
             </a:extLst>
           </p:cNvPr>
-          <p:cNvGrpSpPr/>
+          <p:cNvPicPr>
+            <a:picLocks noChangeAspect="1" noChangeArrowheads="1"/>
+          </p:cNvPicPr>
           <p:nvPr/>
-        </p:nvGrpSpPr>
-        <p:grpSpPr>
-          <a:xfrm>
-            <a:off x="3552944" y="9502186"/>
-            <a:ext cx="2762807" cy="1690862"/>
-            <a:chOff x="4631711" y="3199344"/>
-            <a:chExt cx="2762807" cy="1690862"/>
-          </a:xfrm>
-        </p:grpSpPr>
-        <p:sp>
-          <p:nvSpPr>
-            <p:cNvPr id="19" name="Freeform: Shape 18">
-              <a:extLst>
-                <a:ext uri="{FF2B5EF4-FFF2-40B4-BE49-F238E27FC236}">
-                  <a16:creationId xmlns:a16="http://schemas.microsoft.com/office/drawing/2014/main" id="{E94602CE-7EB8-4554-9C62-73349B5B3D7B}"/>
-                </a:ext>
-              </a:extLst>
-            </p:cNvPr>
-            <p:cNvSpPr/>
-            <p:nvPr/>
-          </p:nvSpPr>
-          <p:spPr>
-            <a:xfrm>
-              <a:off x="5322413" y="3199344"/>
-              <a:ext cx="1381403" cy="845431"/>
-            </a:xfrm>
-            <a:custGeom>
-              <a:avLst/>
-              <a:gdLst>
-                <a:gd name="connsiteX0" fmla="*/ 0 w 2709333"/>
-                <a:gd name="connsiteY0" fmla="*/ 1806222 h 1806222"/>
-                <a:gd name="connsiteX1" fmla="*/ 1354667 w 2709333"/>
-                <a:gd name="connsiteY1" fmla="*/ 0 h 1806222"/>
-                <a:gd name="connsiteX2" fmla="*/ 1354667 w 2709333"/>
-                <a:gd name="connsiteY2" fmla="*/ 0 h 1806222"/>
-                <a:gd name="connsiteX3" fmla="*/ 2709333 w 2709333"/>
-                <a:gd name="connsiteY3" fmla="*/ 1806222 h 1806222"/>
-                <a:gd name="connsiteX4" fmla="*/ 0 w 2709333"/>
-                <a:gd name="connsiteY4" fmla="*/ 1806222 h 1806222"/>
-              </a:gdLst>
-              <a:ahLst/>
-              <a:cxnLst>
-                <a:cxn ang="0">
-                  <a:pos x="connsiteX0" y="connsiteY0"/>
-                </a:cxn>
-                <a:cxn ang="0">
-                  <a:pos x="connsiteX1" y="connsiteY1"/>
-                </a:cxn>
-                <a:cxn ang="0">
-                  <a:pos x="connsiteX2" y="connsiteY2"/>
-                </a:cxn>
-                <a:cxn ang="0">
-                  <a:pos x="connsiteX3" y="connsiteY3"/>
-                </a:cxn>
-                <a:cxn ang="0">
-                  <a:pos x="connsiteX4" y="connsiteY4"/>
-                </a:cxn>
-              </a:cxnLst>
-              <a:rect l="l" t="t" r="r" b="b"/>
-              <a:pathLst>
-                <a:path w="2709333" h="1806222">
-                  <a:moveTo>
-                    <a:pt x="0" y="1806222"/>
-                  </a:moveTo>
-                  <a:lnTo>
-                    <a:pt x="1354667" y="0"/>
-                  </a:lnTo>
-                  <a:lnTo>
-                    <a:pt x="1354667" y="0"/>
-                  </a:lnTo>
-                  <a:lnTo>
-                    <a:pt x="2709333" y="1806222"/>
-                  </a:lnTo>
-                  <a:lnTo>
-                    <a:pt x="0" y="1806222"/>
-                  </a:lnTo>
-                  <a:close/>
-                </a:path>
-              </a:pathLst>
-            </a:custGeom>
-            <a:solidFill>
-              <a:schemeClr val="accent2"/>
-            </a:solidFill>
-          </p:spPr>
-          <p:style>
-            <a:lnRef idx="2">
-              <a:schemeClr val="lt1">
-                <a:hueOff val="0"/>
-                <a:satOff val="0"/>
-                <a:lumOff val="0"/>
-                <a:alphaOff val="0"/>
-              </a:schemeClr>
-            </a:lnRef>
-            <a:fillRef idx="1">
-              <a:schemeClr val="accent1">
-                <a:hueOff val="0"/>
-                <a:satOff val="0"/>
-                <a:lumOff val="0"/>
-                <a:alphaOff val="0"/>
-              </a:schemeClr>
-            </a:fillRef>
-            <a:effectRef idx="0">
-              <a:schemeClr val="accent1">
-                <a:hueOff val="0"/>
-                <a:satOff val="0"/>
-                <a:lumOff val="0"/>
-                <a:alphaOff val="0"/>
-              </a:schemeClr>
-            </a:effectRef>
-            <a:fontRef idx="minor">
-              <a:schemeClr val="lt1"/>
-            </a:fontRef>
-          </p:style>
-          <p:txBody>
-            <a:bodyPr spcFirstLastPara="0" vert="horz" wrap="square" lIns="82550" tIns="82550" rIns="82550" bIns="82550" numCol="1" spcCol="1270" anchor="ctr" anchorCtr="0">
-              <a:noAutofit/>
-            </a:bodyPr>
-            <a:lstStyle/>
-            <a:p>
-              <a:pPr marL="0" lvl="0" indent="0" algn="ctr" defTabSz="2889250">
-                <a:lnSpc>
-                  <a:spcPct val="90000"/>
-                </a:lnSpc>
-                <a:spcBef>
-                  <a:spcPct val="0"/>
-                </a:spcBef>
-                <a:spcAft>
-                  <a:spcPct val="35000"/>
-                </a:spcAft>
-                <a:buNone/>
-              </a:pPr>
-              <a:endParaRPr lang="en-US" sz="6500" kern="1200" dirty="0"/>
-            </a:p>
-          </p:txBody>
-        </p:sp>
-        <p:sp>
-          <p:nvSpPr>
-            <p:cNvPr id="20" name="Freeform: Shape 19">
-              <a:extLst>
-                <a:ext uri="{FF2B5EF4-FFF2-40B4-BE49-F238E27FC236}">
-                  <a16:creationId xmlns:a16="http://schemas.microsoft.com/office/drawing/2014/main" id="{7098B3E2-96CB-4D0C-AAE5-26A82A645505}"/>
-                </a:ext>
-              </a:extLst>
-            </p:cNvPr>
-            <p:cNvSpPr/>
-            <p:nvPr/>
-          </p:nvSpPr>
-          <p:spPr>
-            <a:xfrm>
-              <a:off x="4631711" y="4044775"/>
-              <a:ext cx="2762807" cy="845431"/>
-            </a:xfrm>
-            <a:custGeom>
-              <a:avLst/>
-              <a:gdLst>
-                <a:gd name="connsiteX0" fmla="*/ 0 w 5418666"/>
-                <a:gd name="connsiteY0" fmla="*/ 1806222 h 1806222"/>
-                <a:gd name="connsiteX1" fmla="*/ 1354667 w 5418666"/>
-                <a:gd name="connsiteY1" fmla="*/ 0 h 1806222"/>
-                <a:gd name="connsiteX2" fmla="*/ 4064000 w 5418666"/>
-                <a:gd name="connsiteY2" fmla="*/ 0 h 1806222"/>
-                <a:gd name="connsiteX3" fmla="*/ 5418666 w 5418666"/>
-                <a:gd name="connsiteY3" fmla="*/ 1806222 h 1806222"/>
-                <a:gd name="connsiteX4" fmla="*/ 0 w 5418666"/>
-                <a:gd name="connsiteY4" fmla="*/ 1806222 h 1806222"/>
-              </a:gdLst>
-              <a:ahLst/>
-              <a:cxnLst>
-                <a:cxn ang="0">
-                  <a:pos x="connsiteX0" y="connsiteY0"/>
-                </a:cxn>
-                <a:cxn ang="0">
-                  <a:pos x="connsiteX1" y="connsiteY1"/>
-                </a:cxn>
-                <a:cxn ang="0">
-                  <a:pos x="connsiteX2" y="connsiteY2"/>
-                </a:cxn>
-                <a:cxn ang="0">
-                  <a:pos x="connsiteX3" y="connsiteY3"/>
-                </a:cxn>
-                <a:cxn ang="0">
-                  <a:pos x="connsiteX4" y="connsiteY4"/>
-                </a:cxn>
-              </a:cxnLst>
-              <a:rect l="l" t="t" r="r" b="b"/>
-              <a:pathLst>
-                <a:path w="5418666" h="1806222">
-                  <a:moveTo>
-                    <a:pt x="0" y="1806222"/>
-                  </a:moveTo>
-                  <a:lnTo>
-                    <a:pt x="1354667" y="0"/>
-                  </a:lnTo>
-                  <a:lnTo>
-                    <a:pt x="4064000" y="0"/>
-                  </a:lnTo>
-                  <a:lnTo>
-                    <a:pt x="5418666" y="1806222"/>
-                  </a:lnTo>
-                  <a:lnTo>
-                    <a:pt x="0" y="1806222"/>
-                  </a:lnTo>
-                  <a:close/>
-                </a:path>
-              </a:pathLst>
-            </a:custGeom>
-            <a:solidFill>
-              <a:schemeClr val="accent6"/>
-            </a:solidFill>
-          </p:spPr>
-          <p:style>
-            <a:lnRef idx="2">
-              <a:schemeClr val="lt1">
-                <a:hueOff val="0"/>
-                <a:satOff val="0"/>
-                <a:lumOff val="0"/>
-                <a:alphaOff val="0"/>
-              </a:schemeClr>
-            </a:lnRef>
-            <a:fillRef idx="1">
-              <a:schemeClr val="accent1">
-                <a:hueOff val="0"/>
-                <a:satOff val="0"/>
-                <a:lumOff val="0"/>
-                <a:alphaOff val="0"/>
-              </a:schemeClr>
-            </a:fillRef>
-            <a:effectRef idx="0">
-              <a:schemeClr val="accent1">
-                <a:hueOff val="0"/>
-                <a:satOff val="0"/>
-                <a:lumOff val="0"/>
-                <a:alphaOff val="0"/>
-              </a:schemeClr>
-            </a:effectRef>
-            <a:fontRef idx="minor">
-              <a:schemeClr val="lt1"/>
-            </a:fontRef>
-          </p:style>
-          <p:txBody>
-            <a:bodyPr spcFirstLastPara="0" vert="horz" wrap="square" lIns="1030817" tIns="82550" rIns="1030816" bIns="82550" numCol="1" spcCol="1270" anchor="ctr" anchorCtr="0">
-              <a:noAutofit/>
-            </a:bodyPr>
-            <a:lstStyle/>
-            <a:p>
-              <a:pPr marL="0" lvl="0" indent="0" algn="ctr" defTabSz="2889250">
-                <a:lnSpc>
-                  <a:spcPct val="90000"/>
-                </a:lnSpc>
-                <a:spcBef>
-                  <a:spcPct val="0"/>
-                </a:spcBef>
-                <a:spcAft>
-                  <a:spcPct val="35000"/>
-                </a:spcAft>
-                <a:buNone/>
-              </a:pPr>
-              <a:endParaRPr lang="en-US" sz="6500" kern="1200" dirty="0"/>
-            </a:p>
-          </p:txBody>
-        </p:sp>
-      </p:grpSp>
-      <p:sp>
-        <p:nvSpPr>
-          <p:cNvPr id="21" name="Freeform: Shape 20">
+        </p:nvPicPr>
+        <p:blipFill>
+          <a:blip r:embed="rId6">
             <a:extLst>
-              <a:ext uri="{FF2B5EF4-FFF2-40B4-BE49-F238E27FC236}">
-                <a16:creationId xmlns:a16="http://schemas.microsoft.com/office/drawing/2014/main" id="{34DEAF28-886E-4FE8-810E-AF267FFB4307}"/>
+              <a:ext uri="{28A0092B-C50C-407E-A947-70E740481C1C}">
+                <a14:useLocalDpi xmlns:a14="http://schemas.microsoft.com/office/drawing/2010/main" val="0"/>
               </a:ext>
             </a:extLst>
-          </p:cNvPr>
-          <p:cNvSpPr/>
-          <p:nvPr/>
-        </p:nvSpPr>
-        <p:spPr>
+          </a:blip>
+          <a:srcRect/>
+          <a:stretch>
+            <a:fillRect/>
+          </a:stretch>
+        </p:blipFill>
+        <p:spPr bwMode="auto">
           <a:xfrm>
-            <a:off x="2871421" y="11193047"/>
-            <a:ext cx="2072105" cy="845431"/>
-          </a:xfrm>
-          <a:custGeom>
-            <a:avLst/>
-            <a:gdLst>
-              <a:gd name="connsiteX0" fmla="*/ 690702 w 2072105"/>
-              <a:gd name="connsiteY0" fmla="*/ 0 h 845431"/>
-              <a:gd name="connsiteX1" fmla="*/ 2072105 w 2072105"/>
-              <a:gd name="connsiteY1" fmla="*/ 0 h 845431"/>
-              <a:gd name="connsiteX2" fmla="*/ 2072105 w 2072105"/>
-              <a:gd name="connsiteY2" fmla="*/ 845431 h 845431"/>
-              <a:gd name="connsiteX3" fmla="*/ 0 w 2072105"/>
-              <a:gd name="connsiteY3" fmla="*/ 845431 h 845431"/>
-            </a:gdLst>
-            <a:ahLst/>
-            <a:cxnLst>
-              <a:cxn ang="0">
-                <a:pos x="connsiteX0" y="connsiteY0"/>
-              </a:cxn>
-              <a:cxn ang="0">
-                <a:pos x="connsiteX1" y="connsiteY1"/>
-              </a:cxn>
-              <a:cxn ang="0">
-                <a:pos x="connsiteX2" y="connsiteY2"/>
-              </a:cxn>
-              <a:cxn ang="0">
-                <a:pos x="connsiteX3" y="connsiteY3"/>
-              </a:cxn>
-            </a:cxnLst>
-            <a:rect l="l" t="t" r="r" b="b"/>
-            <a:pathLst>
-              <a:path w="2072105" h="845431">
-                <a:moveTo>
-                  <a:pt x="690702" y="0"/>
-                </a:moveTo>
-                <a:lnTo>
-                  <a:pt x="2072105" y="0"/>
-                </a:lnTo>
-                <a:lnTo>
-                  <a:pt x="2072105" y="845431"/>
-                </a:lnTo>
-                <a:lnTo>
-                  <a:pt x="0" y="845431"/>
-                </a:lnTo>
-                <a:close/>
-              </a:path>
-            </a:pathLst>
-          </a:custGeom>
-        </p:spPr>
-        <p:style>
-          <a:lnRef idx="2">
-            <a:schemeClr val="lt1">
-              <a:hueOff val="0"/>
-              <a:satOff val="0"/>
-              <a:lumOff val="0"/>
-              <a:alphaOff val="0"/>
-            </a:schemeClr>
-          </a:lnRef>
-          <a:fillRef idx="1">
-            <a:schemeClr val="accent1">
-              <a:hueOff val="0"/>
-              <a:satOff val="0"/>
-              <a:lumOff val="0"/>
-              <a:alphaOff val="0"/>
-            </a:schemeClr>
-          </a:fillRef>
-          <a:effectRef idx="0">
-            <a:schemeClr val="accent1">
-              <a:hueOff val="0"/>
-              <a:satOff val="0"/>
-              <a:lumOff val="0"/>
-              <a:alphaOff val="0"/>
-            </a:schemeClr>
-          </a:effectRef>
-          <a:fontRef idx="minor">
-            <a:schemeClr val="lt1"/>
-          </a:fontRef>
-        </p:style>
-        <p:txBody>
-          <a:bodyPr spcFirstLastPara="0" vert="horz" wrap="square" lIns="1504949" tIns="82550" rIns="1504951" bIns="82550" numCol="1" spcCol="1270" anchor="ctr" anchorCtr="0">
-            <a:noAutofit/>
-          </a:bodyPr>
-          <a:lstStyle/>
-          <a:p>
-            <a:pPr marL="0" lvl="0" indent="0" algn="ctr" defTabSz="2889250">
-              <a:lnSpc>
-                <a:spcPct val="90000"/>
-              </a:lnSpc>
-              <a:spcBef>
-                <a:spcPct val="0"/>
-              </a:spcBef>
-              <a:spcAft>
-                <a:spcPct val="35000"/>
-              </a:spcAft>
-              <a:buNone/>
-            </a:pPr>
-            <a:endParaRPr lang="en-US" sz="6500" kern="1200" dirty="0"/>
-          </a:p>
-        </p:txBody>
-      </p:sp>
-      <p:sp>
-        <p:nvSpPr>
-          <p:cNvPr id="22" name="Rectangle 21">
-            <a:extLst>
-              <a:ext uri="{FF2B5EF4-FFF2-40B4-BE49-F238E27FC236}">
-                <a16:creationId xmlns:a16="http://schemas.microsoft.com/office/drawing/2014/main" id="{ACB5D731-B222-4741-941C-AB6CCBA2D92B}"/>
-              </a:ext>
-            </a:extLst>
-          </p:cNvPr>
-          <p:cNvSpPr/>
-          <p:nvPr/>
-        </p:nvSpPr>
-        <p:spPr>
-          <a:xfrm>
-            <a:off x="3684013" y="11431096"/>
-            <a:ext cx="1066850" cy="369332"/>
+            <a:off x="7577220" y="11514256"/>
+            <a:ext cx="1094539" cy="1094539"/>
           </a:xfrm>
           <a:prstGeom prst="rect">
             <a:avLst/>
           </a:prstGeom>
+          <a:noFill/>
+          <a:extLst>
+            <a:ext uri="{909E8E84-426E-40DD-AFC4-6F175D3DCCD1}">
+              <a14:hiddenFill xmlns:a14="http://schemas.microsoft.com/office/drawing/2010/main">
+                <a:solidFill>
+                  <a:srgbClr val="FFFFFF"/>
+                </a:solidFill>
+              </a14:hiddenFill>
+            </a:ext>
+          </a:extLst>
         </p:spPr>
-        <p:txBody>
-          <a:bodyPr wrap="square">
-            <a:spAutoFit/>
-          </a:bodyPr>
-          <a:lstStyle/>
-          <a:p>
-            <a:r>
-              <a:rPr lang="en-US" dirty="0" err="1"/>
-              <a:t>hwlib</a:t>
-            </a:r>
-            <a:endParaRPr lang="en-US" dirty="0"/>
-          </a:p>
-        </p:txBody>
-      </p:sp>
-      <p:sp>
-        <p:nvSpPr>
-          <p:cNvPr id="23" name="Rectangle 22">
+      </p:pic>
+      <p:sp>
+        <p:nvSpPr>
+          <p:cNvPr id="4" name="TextBox 3">
             <a:extLst>
               <a:ext uri="{FF2B5EF4-FFF2-40B4-BE49-F238E27FC236}">
-                <a16:creationId xmlns:a16="http://schemas.microsoft.com/office/drawing/2014/main" id="{EE3382CF-6D4F-4245-BA94-48FBF0F5523B}"/>
+                <a16:creationId xmlns:a16="http://schemas.microsoft.com/office/drawing/2014/main" id="{924BFBD3-C5A6-4421-9AD6-2DE1BAECE848}"/>
               </a:ext>
             </a:extLst>
           </p:cNvPr>
-          <p:cNvSpPr/>
+          <p:cNvSpPr txBox="1"/>
           <p:nvPr/>
         </p:nvSpPr>
         <p:spPr>
           <a:xfrm>
-            <a:off x="4393504" y="10585665"/>
-            <a:ext cx="1247457" cy="369332"/>
-          </a:xfrm>
-          <a:prstGeom prst="rect">
-            <a:avLst/>
-          </a:prstGeom>
-        </p:spPr>
-        <p:txBody>
-          <a:bodyPr wrap="square">
-            <a:spAutoFit/>
-          </a:bodyPr>
-          <a:lstStyle/>
-          <a:p>
-            <a:r>
-              <a:rPr lang="en-US" dirty="0"/>
-              <a:t>Bmp280 lib</a:t>
-            </a:r>
-          </a:p>
-        </p:txBody>
-      </p:sp>
-      <p:sp>
-        <p:nvSpPr>
-          <p:cNvPr id="24" name="Rectangle 23">
-            <a:extLst>
-              <a:ext uri="{FF2B5EF4-FFF2-40B4-BE49-F238E27FC236}">
-                <a16:creationId xmlns:a16="http://schemas.microsoft.com/office/drawing/2014/main" id="{7BFAF381-12A5-4E62-8A6C-4902241BBECE}"/>
-              </a:ext>
-            </a:extLst>
-          </p:cNvPr>
-          <p:cNvSpPr/>
-          <p:nvPr/>
-        </p:nvSpPr>
-        <p:spPr>
-          <a:xfrm>
-            <a:off x="4359597" y="9967660"/>
-            <a:ext cx="1222579" cy="369332"/>
-          </a:xfrm>
-          <a:prstGeom prst="rect">
-            <a:avLst/>
-          </a:prstGeom>
-        </p:spPr>
-        <p:txBody>
-          <a:bodyPr wrap="square">
-            <a:spAutoFit/>
-          </a:bodyPr>
-          <a:lstStyle/>
-          <a:p>
-            <a:r>
-              <a:rPr lang="en-US" dirty="0"/>
-              <a:t>application</a:t>
-            </a:r>
-          </a:p>
-        </p:txBody>
-      </p:sp>
-      <p:sp>
-        <p:nvSpPr>
-          <p:cNvPr id="13" name="Footer Placeholder 12">
-            <a:extLst>
-              <a:ext uri="{FF2B5EF4-FFF2-40B4-BE49-F238E27FC236}">
-                <a16:creationId xmlns:a16="http://schemas.microsoft.com/office/drawing/2014/main" id="{BBA34B14-AFAA-4C86-83F1-E4A731B14FD5}"/>
-              </a:ext>
-            </a:extLst>
-          </p:cNvPr>
-          <p:cNvSpPr>
-            <a:spLocks noGrp="1"/>
-          </p:cNvSpPr>
-          <p:nvPr>
-            <p:ph type="ftr" sz="quarter" idx="11"/>
-          </p:nvPr>
-        </p:nvSpPr>
-        <p:spPr/>
-        <p:txBody>
-          <a:bodyPr/>
-          <a:lstStyle/>
-          <a:p>
-            <a:r>
-              <a:rPr lang="en-US"/>
-              <a:t>Ferdi Stoeltie 1665045</a:t>
-            </a:r>
-          </a:p>
-        </p:txBody>
-      </p:sp>
-      <p:sp>
-        <p:nvSpPr>
-          <p:cNvPr id="15" name="Rectangle 14">
-            <a:extLst>
-              <a:ext uri="{FF2B5EF4-FFF2-40B4-BE49-F238E27FC236}">
-                <a16:creationId xmlns:a16="http://schemas.microsoft.com/office/drawing/2014/main" id="{58FDCDC6-4BB1-4732-AC0A-BB9D50A8986B}"/>
-              </a:ext>
-            </a:extLst>
-          </p:cNvPr>
-          <p:cNvSpPr/>
-          <p:nvPr/>
-        </p:nvSpPr>
-        <p:spPr>
-          <a:xfrm>
-            <a:off x="644418" y="551621"/>
-            <a:ext cx="8212889" cy="923330"/>
+            <a:off x="1125415" y="11514256"/>
+            <a:ext cx="5686089" cy="830997"/>
           </a:xfrm>
           <a:prstGeom prst="rect">
             <a:avLst/>
@@ -5196,59 +4461,25 @@
           <a:noFill/>
         </p:spPr>
         <p:txBody>
-          <a:bodyPr wrap="none" lIns="91440" tIns="45720" rIns="91440" bIns="45720">
+          <a:bodyPr wrap="square" rtlCol="0">
             <a:spAutoFit/>
           </a:bodyPr>
           <a:lstStyle/>
           <a:p>
-            <a:pPr algn="ctr"/>
-            <a:r>
-              <a:rPr lang="en-US" sz="5400" b="0" cap="none" spc="0" dirty="0">
-                <a:ln w="0"/>
-                <a:solidFill>
-                  <a:schemeClr val="tx1"/>
-                </a:solidFill>
-                <a:effectLst>
-                  <a:outerShdw blurRad="38100" dist="19050" dir="2700000" algn="tl" rotWithShape="0">
-                    <a:schemeClr val="dk1">
-                      <a:alpha val="40000"/>
-                    </a:schemeClr>
-                  </a:outerShdw>
-                </a:effectLst>
-              </a:rPr>
-              <a:t>BMP280 Temperature Graph</a:t>
-            </a:r>
-          </a:p>
-        </p:txBody>
-      </p:sp>
-      <p:graphicFrame>
-        <p:nvGraphicFramePr>
-          <p:cNvPr id="27" name="Chart 26">
-            <a:extLst>
-              <a:ext uri="{FF2B5EF4-FFF2-40B4-BE49-F238E27FC236}">
-                <a16:creationId xmlns:a16="http://schemas.microsoft.com/office/drawing/2014/main" id="{F842AE53-9372-4E57-9BE3-45DDEB8D327A}"/>
-              </a:ext>
-            </a:extLst>
-          </p:cNvPr>
-          <p:cNvGraphicFramePr/>
-          <p:nvPr>
-            <p:extLst>
-              <p:ext uri="{D42A27DB-BD31-4B8C-83A1-F6EECF244321}">
-                <p14:modId xmlns:p14="http://schemas.microsoft.com/office/powerpoint/2010/main" val="839978952"/>
-              </p:ext>
-            </p:extLst>
-          </p:nvPr>
-        </p:nvGraphicFramePr>
-        <p:xfrm>
-          <a:off x="1600200" y="4267200"/>
-          <a:ext cx="6400800" cy="4267200"/>
-        </p:xfrm>
-        <a:graphic>
-          <a:graphicData uri="http://schemas.openxmlformats.org/drawingml/2006/chart">
-            <c:chart xmlns:c="http://schemas.openxmlformats.org/drawingml/2006/chart" xmlns:r="http://schemas.openxmlformats.org/officeDocument/2006/relationships" r:id="rId4"/>
-          </a:graphicData>
-        </a:graphic>
-      </p:graphicFrame>
+            <a:r>
+              <a:rPr lang="en-US" sz="2400" dirty="0"/>
+              <a:t>Supports BME280 (BMP functionality only)</a:t>
+            </a:r>
+            <a:br>
+              <a:rPr lang="en-US" sz="2400" dirty="0"/>
+            </a:br>
+            <a:r>
+              <a:rPr lang="en-US" sz="2400" dirty="0"/>
+              <a:t>Supports BMP280</a:t>
+            </a:r>
+          </a:p>
+        </p:txBody>
+      </p:sp>
     </p:spTree>
     <p:extLst>
       <p:ext uri="{BB962C8B-B14F-4D97-AF65-F5344CB8AC3E}">
